--- a/UNDER DEVELOPMENT/OPAR Version 2/JESTER/SYTGT009_DAMASCUS_N_AMMUNITION_FACTORY.pptx
+++ b/UNDER DEVELOPMENT/OPAR Version 2/JESTER/SYTGT009_DAMASCUS_N_AMMUNITION_FACTORY.pptx
@@ -109,7 +109,7 @@
   </p:defaultTextStyle>
   <p:extLst>
     <p:ext uri="{EFAFB233-063F-42B5-8137-9DF3F51BA10A}">
-      <p15:sldGuideLst xmlns:p15="http://schemas.microsoft.com/office/powerpoint/2012/main">
+      <p15:sldGuideLst xmlns:p15="http://schemas.microsoft.com/office/powerpoint/2012/main" xmlns="">
         <p15:guide id="1" orient="horz" pos="1620">
           <p15:clr>
             <a:srgbClr val="A4A3A4"/>
@@ -209,7 +209,7 @@
             <a:fld id="{40637A30-8EE1-4060-9976-8832FC89EE34}" type="datetimeFigureOut">
               <a:rPr lang="nb-NO" smtClean="0"/>
               <a:pPr/>
-              <a:t>02.01.2022</a:t>
+              <a:t>09.06.2022</a:t>
             </a:fld>
             <a:endParaRPr lang="nb-NO"/>
           </a:p>
@@ -3617,7 +3617,7 @@
           <p:cNvPr id="1036" name="Picture 1035" descr="An aerial view of a city&#10;&#10;Description automatically generated with low confidence">
             <a:extLst>
               <a:ext uri="{FF2B5EF4-FFF2-40B4-BE49-F238E27FC236}">
-                <a16:creationId xmlns:a16="http://schemas.microsoft.com/office/drawing/2014/main" id="{4BBD6B17-9E20-408F-B031-DFD25DCEC82D}"/>
+                <a16:creationId xmlns:a16="http://schemas.microsoft.com/office/drawing/2014/main" xmlns="" id="{4BBD6B17-9E20-408F-B031-DFD25DCEC82D}"/>
               </a:ext>
             </a:extLst>
           </p:cNvPr>
@@ -3630,7 +3630,7 @@
           <a:blip r:embed="rId2" cstate="print">
             <a:extLst>
               <a:ext uri="{BEBA8EAE-BF5A-486C-A8C5-ECC9F3942E4B}">
-                <a14:imgProps xmlns:a14="http://schemas.microsoft.com/office/drawing/2010/main">
+                <a14:imgProps xmlns:a14="http://schemas.microsoft.com/office/drawing/2010/main" xmlns="">
                   <a14:imgLayer r:embed="rId3">
                     <a14:imgEffect>
                       <a14:saturation sat="0"/>
@@ -3639,7 +3639,7 @@
                 </a14:imgProps>
               </a:ext>
               <a:ext uri="{28A0092B-C50C-407E-A947-70E740481C1C}">
-                <a14:useLocalDpi xmlns:a14="http://schemas.microsoft.com/office/drawing/2010/main" val="0"/>
+                <a14:useLocalDpi xmlns:a14="http://schemas.microsoft.com/office/drawing/2010/main" xmlns="" val="0"/>
               </a:ext>
             </a:extLst>
           </a:blip>
@@ -4594,7 +4594,7 @@
           <p:cNvPr id="109" name="Group 108">
             <a:extLst>
               <a:ext uri="{FF2B5EF4-FFF2-40B4-BE49-F238E27FC236}">
-                <a16:creationId xmlns:a16="http://schemas.microsoft.com/office/drawing/2014/main" id="{C6B5FDC9-4B85-4F2C-8F7C-1F3BCB906CBD}"/>
+                <a16:creationId xmlns:a16="http://schemas.microsoft.com/office/drawing/2014/main" xmlns="" id="{C6B5FDC9-4B85-4F2C-8F7C-1F3BCB906CBD}"/>
               </a:ext>
             </a:extLst>
           </p:cNvPr>
@@ -4614,7 +4614,7 @@
             <p:cNvPr id="110" name="TekstSylinder 9">
               <a:extLst>
                 <a:ext uri="{FF2B5EF4-FFF2-40B4-BE49-F238E27FC236}">
-                  <a16:creationId xmlns:a16="http://schemas.microsoft.com/office/drawing/2014/main" id="{57AB2839-25EE-4A77-8161-6DD47530EC64}"/>
+                  <a16:creationId xmlns:a16="http://schemas.microsoft.com/office/drawing/2014/main" xmlns="" id="{57AB2839-25EE-4A77-8161-6DD47530EC64}"/>
                 </a:ext>
               </a:extLst>
             </p:cNvPr>
@@ -4655,7 +4655,7 @@
             <p:cNvPr id="111" name="Isosceles Triangle 110">
               <a:extLst>
                 <a:ext uri="{FF2B5EF4-FFF2-40B4-BE49-F238E27FC236}">
-                  <a16:creationId xmlns:a16="http://schemas.microsoft.com/office/drawing/2014/main" id="{3CED6978-576F-47EC-BB1E-3B0BCA61D001}"/>
+                  <a16:creationId xmlns:a16="http://schemas.microsoft.com/office/drawing/2014/main" xmlns="" id="{3CED6978-576F-47EC-BB1E-3B0BCA61D001}"/>
                 </a:ext>
               </a:extLst>
             </p:cNvPr>
@@ -4712,7 +4712,7 @@
           <p:cNvPr id="115" name="Group 114">
             <a:extLst>
               <a:ext uri="{FF2B5EF4-FFF2-40B4-BE49-F238E27FC236}">
-                <a16:creationId xmlns:a16="http://schemas.microsoft.com/office/drawing/2014/main" id="{80611DE4-8A4B-4EA1-B8BF-70A264E5B741}"/>
+                <a16:creationId xmlns:a16="http://schemas.microsoft.com/office/drawing/2014/main" xmlns="" id="{80611DE4-8A4B-4EA1-B8BF-70A264E5B741}"/>
               </a:ext>
             </a:extLst>
           </p:cNvPr>
@@ -4732,7 +4732,7 @@
             <p:cNvPr id="116" name="TekstSylinder 9">
               <a:extLst>
                 <a:ext uri="{FF2B5EF4-FFF2-40B4-BE49-F238E27FC236}">
-                  <a16:creationId xmlns:a16="http://schemas.microsoft.com/office/drawing/2014/main" id="{A706CB99-0262-4551-9558-5B5156E183A4}"/>
+                  <a16:creationId xmlns:a16="http://schemas.microsoft.com/office/drawing/2014/main" xmlns="" id="{A706CB99-0262-4551-9558-5B5156E183A4}"/>
                 </a:ext>
               </a:extLst>
             </p:cNvPr>
@@ -4773,7 +4773,7 @@
             <p:cNvPr id="117" name="Isosceles Triangle 116">
               <a:extLst>
                 <a:ext uri="{FF2B5EF4-FFF2-40B4-BE49-F238E27FC236}">
-                  <a16:creationId xmlns:a16="http://schemas.microsoft.com/office/drawing/2014/main" id="{FCFA5332-DFF1-4BC8-9C0D-63C9D53A4A91}"/>
+                  <a16:creationId xmlns:a16="http://schemas.microsoft.com/office/drawing/2014/main" xmlns="" id="{FCFA5332-DFF1-4BC8-9C0D-63C9D53A4A91}"/>
                 </a:ext>
               </a:extLst>
             </p:cNvPr>
@@ -4830,7 +4830,7 @@
           <p:cNvPr id="118" name="Group 117">
             <a:extLst>
               <a:ext uri="{FF2B5EF4-FFF2-40B4-BE49-F238E27FC236}">
-                <a16:creationId xmlns:a16="http://schemas.microsoft.com/office/drawing/2014/main" id="{F22A5E66-F601-43FA-8CD2-58FDC12BCEB9}"/>
+                <a16:creationId xmlns:a16="http://schemas.microsoft.com/office/drawing/2014/main" xmlns="" id="{F22A5E66-F601-43FA-8CD2-58FDC12BCEB9}"/>
               </a:ext>
             </a:extLst>
           </p:cNvPr>
@@ -4850,7 +4850,7 @@
             <p:cNvPr id="119" name="TekstSylinder 9">
               <a:extLst>
                 <a:ext uri="{FF2B5EF4-FFF2-40B4-BE49-F238E27FC236}">
-                  <a16:creationId xmlns:a16="http://schemas.microsoft.com/office/drawing/2014/main" id="{6CB73BBD-8015-41D6-94DB-7B7D0D610F4D}"/>
+                  <a16:creationId xmlns:a16="http://schemas.microsoft.com/office/drawing/2014/main" xmlns="" id="{6CB73BBD-8015-41D6-94DB-7B7D0D610F4D}"/>
                 </a:ext>
               </a:extLst>
             </p:cNvPr>
@@ -4891,7 +4891,7 @@
             <p:cNvPr id="120" name="Isosceles Triangle 119">
               <a:extLst>
                 <a:ext uri="{FF2B5EF4-FFF2-40B4-BE49-F238E27FC236}">
-                  <a16:creationId xmlns:a16="http://schemas.microsoft.com/office/drawing/2014/main" id="{93F390A0-1042-4C1E-94CC-DC5185EB969E}"/>
+                  <a16:creationId xmlns:a16="http://schemas.microsoft.com/office/drawing/2014/main" xmlns="" id="{93F390A0-1042-4C1E-94CC-DC5185EB969E}"/>
                 </a:ext>
               </a:extLst>
             </p:cNvPr>
@@ -4948,7 +4948,7 @@
           <p:cNvPr id="124" name="Group 123">
             <a:extLst>
               <a:ext uri="{FF2B5EF4-FFF2-40B4-BE49-F238E27FC236}">
-                <a16:creationId xmlns:a16="http://schemas.microsoft.com/office/drawing/2014/main" id="{D799CF00-29B0-4D9E-B6C7-87687E8F2F05}"/>
+                <a16:creationId xmlns:a16="http://schemas.microsoft.com/office/drawing/2014/main" xmlns="" id="{D799CF00-29B0-4D9E-B6C7-87687E8F2F05}"/>
               </a:ext>
             </a:extLst>
           </p:cNvPr>
@@ -4968,7 +4968,7 @@
             <p:cNvPr id="125" name="TekstSylinder 9">
               <a:extLst>
                 <a:ext uri="{FF2B5EF4-FFF2-40B4-BE49-F238E27FC236}">
-                  <a16:creationId xmlns:a16="http://schemas.microsoft.com/office/drawing/2014/main" id="{75414F36-ED6C-4881-AC92-28891A43263F}"/>
+                  <a16:creationId xmlns:a16="http://schemas.microsoft.com/office/drawing/2014/main" xmlns="" id="{75414F36-ED6C-4881-AC92-28891A43263F}"/>
                 </a:ext>
               </a:extLst>
             </p:cNvPr>
@@ -5009,7 +5009,7 @@
             <p:cNvPr id="126" name="Isosceles Triangle 125">
               <a:extLst>
                 <a:ext uri="{FF2B5EF4-FFF2-40B4-BE49-F238E27FC236}">
-                  <a16:creationId xmlns:a16="http://schemas.microsoft.com/office/drawing/2014/main" id="{996D2175-7AF5-4945-9417-EF2A93BCC201}"/>
+                  <a16:creationId xmlns:a16="http://schemas.microsoft.com/office/drawing/2014/main" xmlns="" id="{996D2175-7AF5-4945-9417-EF2A93BCC201}"/>
                 </a:ext>
               </a:extLst>
             </p:cNvPr>
@@ -5066,7 +5066,7 @@
           <p:cNvPr id="149" name="Group 148">
             <a:extLst>
               <a:ext uri="{FF2B5EF4-FFF2-40B4-BE49-F238E27FC236}">
-                <a16:creationId xmlns:a16="http://schemas.microsoft.com/office/drawing/2014/main" id="{7B039059-86E9-4E3B-99BB-45A84075ED6D}"/>
+                <a16:creationId xmlns:a16="http://schemas.microsoft.com/office/drawing/2014/main" xmlns="" id="{7B039059-86E9-4E3B-99BB-45A84075ED6D}"/>
               </a:ext>
             </a:extLst>
           </p:cNvPr>
@@ -5086,7 +5086,7 @@
             <p:cNvPr id="150" name="TekstSylinder 9">
               <a:extLst>
                 <a:ext uri="{FF2B5EF4-FFF2-40B4-BE49-F238E27FC236}">
-                  <a16:creationId xmlns:a16="http://schemas.microsoft.com/office/drawing/2014/main" id="{D1D2DEBB-9E61-47D8-B17C-2AEE7F8EF09D}"/>
+                  <a16:creationId xmlns:a16="http://schemas.microsoft.com/office/drawing/2014/main" xmlns="" id="{D1D2DEBB-9E61-47D8-B17C-2AEE7F8EF09D}"/>
                 </a:ext>
               </a:extLst>
             </p:cNvPr>
@@ -5127,7 +5127,7 @@
             <p:cNvPr id="151" name="Isosceles Triangle 150">
               <a:extLst>
                 <a:ext uri="{FF2B5EF4-FFF2-40B4-BE49-F238E27FC236}">
-                  <a16:creationId xmlns:a16="http://schemas.microsoft.com/office/drawing/2014/main" id="{A5C2F99E-5658-491B-A248-A6112344E58D}"/>
+                  <a16:creationId xmlns:a16="http://schemas.microsoft.com/office/drawing/2014/main" xmlns="" id="{A5C2F99E-5658-491B-A248-A6112344E58D}"/>
                 </a:ext>
               </a:extLst>
             </p:cNvPr>
@@ -5184,7 +5184,7 @@
           <p:cNvPr id="155" name="Group 154">
             <a:extLst>
               <a:ext uri="{FF2B5EF4-FFF2-40B4-BE49-F238E27FC236}">
-                <a16:creationId xmlns:a16="http://schemas.microsoft.com/office/drawing/2014/main" id="{B6B6FAFD-9C58-4C95-B729-C4800B96D183}"/>
+                <a16:creationId xmlns:a16="http://schemas.microsoft.com/office/drawing/2014/main" xmlns="" id="{B6B6FAFD-9C58-4C95-B729-C4800B96D183}"/>
               </a:ext>
             </a:extLst>
           </p:cNvPr>
@@ -5204,7 +5204,7 @@
             <p:cNvPr id="156" name="TekstSylinder 9">
               <a:extLst>
                 <a:ext uri="{FF2B5EF4-FFF2-40B4-BE49-F238E27FC236}">
-                  <a16:creationId xmlns:a16="http://schemas.microsoft.com/office/drawing/2014/main" id="{63C0DBC8-FC8B-45EF-B7F6-0C928D285D08}"/>
+                  <a16:creationId xmlns:a16="http://schemas.microsoft.com/office/drawing/2014/main" xmlns="" id="{63C0DBC8-FC8B-45EF-B7F6-0C928D285D08}"/>
                 </a:ext>
               </a:extLst>
             </p:cNvPr>
@@ -5245,7 +5245,7 @@
             <p:cNvPr id="157" name="Isosceles Triangle 156">
               <a:extLst>
                 <a:ext uri="{FF2B5EF4-FFF2-40B4-BE49-F238E27FC236}">
-                  <a16:creationId xmlns:a16="http://schemas.microsoft.com/office/drawing/2014/main" id="{1DF82225-E5FB-46F0-94F8-0B8AEA34C849}"/>
+                  <a16:creationId xmlns:a16="http://schemas.microsoft.com/office/drawing/2014/main" xmlns="" id="{1DF82225-E5FB-46F0-94F8-0B8AEA34C849}"/>
                 </a:ext>
               </a:extLst>
             </p:cNvPr>
@@ -5302,7 +5302,7 @@
           <p:cNvPr id="165" name="Group 164">
             <a:extLst>
               <a:ext uri="{FF2B5EF4-FFF2-40B4-BE49-F238E27FC236}">
-                <a16:creationId xmlns:a16="http://schemas.microsoft.com/office/drawing/2014/main" id="{F9463B41-672D-4DAF-8220-9E5E942FF3EB}"/>
+                <a16:creationId xmlns:a16="http://schemas.microsoft.com/office/drawing/2014/main" xmlns="" id="{F9463B41-672D-4DAF-8220-9E5E942FF3EB}"/>
               </a:ext>
             </a:extLst>
           </p:cNvPr>
@@ -5322,7 +5322,7 @@
             <p:cNvPr id="166" name="TekstSylinder 9">
               <a:extLst>
                 <a:ext uri="{FF2B5EF4-FFF2-40B4-BE49-F238E27FC236}">
-                  <a16:creationId xmlns:a16="http://schemas.microsoft.com/office/drawing/2014/main" id="{AFA23B8F-7FCA-4619-9EEF-9A088374B3DF}"/>
+                  <a16:creationId xmlns:a16="http://schemas.microsoft.com/office/drawing/2014/main" xmlns="" id="{AFA23B8F-7FCA-4619-9EEF-9A088374B3DF}"/>
                 </a:ext>
               </a:extLst>
             </p:cNvPr>
@@ -5363,7 +5363,7 @@
             <p:cNvPr id="167" name="Isosceles Triangle 166">
               <a:extLst>
                 <a:ext uri="{FF2B5EF4-FFF2-40B4-BE49-F238E27FC236}">
-                  <a16:creationId xmlns:a16="http://schemas.microsoft.com/office/drawing/2014/main" id="{EDD3EACC-E560-436A-8C30-DE270CDCD023}"/>
+                  <a16:creationId xmlns:a16="http://schemas.microsoft.com/office/drawing/2014/main" xmlns="" id="{EDD3EACC-E560-436A-8C30-DE270CDCD023}"/>
                 </a:ext>
               </a:extLst>
             </p:cNvPr>
@@ -5420,7 +5420,7 @@
           <p:cNvPr id="168" name="Group 167">
             <a:extLst>
               <a:ext uri="{FF2B5EF4-FFF2-40B4-BE49-F238E27FC236}">
-                <a16:creationId xmlns:a16="http://schemas.microsoft.com/office/drawing/2014/main" id="{C3171772-4B34-40D2-A89C-A93C99C369D4}"/>
+                <a16:creationId xmlns:a16="http://schemas.microsoft.com/office/drawing/2014/main" xmlns="" id="{C3171772-4B34-40D2-A89C-A93C99C369D4}"/>
               </a:ext>
             </a:extLst>
           </p:cNvPr>
@@ -5440,7 +5440,7 @@
             <p:cNvPr id="169" name="TekstSylinder 9">
               <a:extLst>
                 <a:ext uri="{FF2B5EF4-FFF2-40B4-BE49-F238E27FC236}">
-                  <a16:creationId xmlns:a16="http://schemas.microsoft.com/office/drawing/2014/main" id="{01211951-A275-4AF7-84B3-8F07C901669B}"/>
+                  <a16:creationId xmlns:a16="http://schemas.microsoft.com/office/drawing/2014/main" xmlns="" id="{01211951-A275-4AF7-84B3-8F07C901669B}"/>
                 </a:ext>
               </a:extLst>
             </p:cNvPr>
@@ -5481,7 +5481,7 @@
             <p:cNvPr id="170" name="Isosceles Triangle 169">
               <a:extLst>
                 <a:ext uri="{FF2B5EF4-FFF2-40B4-BE49-F238E27FC236}">
-                  <a16:creationId xmlns:a16="http://schemas.microsoft.com/office/drawing/2014/main" id="{AAD9D57A-F09B-4F0B-B3E0-1FDE984796E4}"/>
+                  <a16:creationId xmlns:a16="http://schemas.microsoft.com/office/drawing/2014/main" xmlns="" id="{AAD9D57A-F09B-4F0B-B3E0-1FDE984796E4}"/>
                 </a:ext>
               </a:extLst>
             </p:cNvPr>
@@ -5538,7 +5538,7 @@
           <p:cNvPr id="174" name="Group 173">
             <a:extLst>
               <a:ext uri="{FF2B5EF4-FFF2-40B4-BE49-F238E27FC236}">
-                <a16:creationId xmlns:a16="http://schemas.microsoft.com/office/drawing/2014/main" id="{D7767398-BC73-47FE-930D-AA68E3C17A9C}"/>
+                <a16:creationId xmlns:a16="http://schemas.microsoft.com/office/drawing/2014/main" xmlns="" id="{D7767398-BC73-47FE-930D-AA68E3C17A9C}"/>
               </a:ext>
             </a:extLst>
           </p:cNvPr>
@@ -5558,7 +5558,7 @@
             <p:cNvPr id="175" name="TekstSylinder 9">
               <a:extLst>
                 <a:ext uri="{FF2B5EF4-FFF2-40B4-BE49-F238E27FC236}">
-                  <a16:creationId xmlns:a16="http://schemas.microsoft.com/office/drawing/2014/main" id="{8826AF43-0FA6-4B66-B00F-6CE56D0CBA0B}"/>
+                  <a16:creationId xmlns:a16="http://schemas.microsoft.com/office/drawing/2014/main" xmlns="" id="{8826AF43-0FA6-4B66-B00F-6CE56D0CBA0B}"/>
                 </a:ext>
               </a:extLst>
             </p:cNvPr>
@@ -5599,7 +5599,7 @@
             <p:cNvPr id="176" name="Isosceles Triangle 175">
               <a:extLst>
                 <a:ext uri="{FF2B5EF4-FFF2-40B4-BE49-F238E27FC236}">
-                  <a16:creationId xmlns:a16="http://schemas.microsoft.com/office/drawing/2014/main" id="{A5980D30-22A5-4D38-8937-0E4FAFC1A276}"/>
+                  <a16:creationId xmlns:a16="http://schemas.microsoft.com/office/drawing/2014/main" xmlns="" id="{A5980D30-22A5-4D38-8937-0E4FAFC1A276}"/>
                 </a:ext>
               </a:extLst>
             </p:cNvPr>
@@ -5656,7 +5656,7 @@
           <p:cNvPr id="177" name="Group 176">
             <a:extLst>
               <a:ext uri="{FF2B5EF4-FFF2-40B4-BE49-F238E27FC236}">
-                <a16:creationId xmlns:a16="http://schemas.microsoft.com/office/drawing/2014/main" id="{6571E641-6165-4315-A173-F779A6828C58}"/>
+                <a16:creationId xmlns:a16="http://schemas.microsoft.com/office/drawing/2014/main" xmlns="" id="{6571E641-6165-4315-A173-F779A6828C58}"/>
               </a:ext>
             </a:extLst>
           </p:cNvPr>
@@ -5676,7 +5676,7 @@
             <p:cNvPr id="178" name="TekstSylinder 9">
               <a:extLst>
                 <a:ext uri="{FF2B5EF4-FFF2-40B4-BE49-F238E27FC236}">
-                  <a16:creationId xmlns:a16="http://schemas.microsoft.com/office/drawing/2014/main" id="{CECF702E-7F83-4C21-A186-6F50AA41414C}"/>
+                  <a16:creationId xmlns:a16="http://schemas.microsoft.com/office/drawing/2014/main" xmlns="" id="{CECF702E-7F83-4C21-A186-6F50AA41414C}"/>
                 </a:ext>
               </a:extLst>
             </p:cNvPr>
@@ -5717,7 +5717,7 @@
             <p:cNvPr id="179" name="Isosceles Triangle 178">
               <a:extLst>
                 <a:ext uri="{FF2B5EF4-FFF2-40B4-BE49-F238E27FC236}">
-                  <a16:creationId xmlns:a16="http://schemas.microsoft.com/office/drawing/2014/main" id="{3841B533-04CE-40DC-B3CB-A81902AE7A1F}"/>
+                  <a16:creationId xmlns:a16="http://schemas.microsoft.com/office/drawing/2014/main" xmlns="" id="{3841B533-04CE-40DC-B3CB-A81902AE7A1F}"/>
                 </a:ext>
               </a:extLst>
             </p:cNvPr>
@@ -5774,7 +5774,7 @@
           <p:cNvPr id="180" name="Group 179">
             <a:extLst>
               <a:ext uri="{FF2B5EF4-FFF2-40B4-BE49-F238E27FC236}">
-                <a16:creationId xmlns:a16="http://schemas.microsoft.com/office/drawing/2014/main" id="{E14BD162-42CB-45AD-A0D8-F43AA3043926}"/>
+                <a16:creationId xmlns:a16="http://schemas.microsoft.com/office/drawing/2014/main" xmlns="" id="{E14BD162-42CB-45AD-A0D8-F43AA3043926}"/>
               </a:ext>
             </a:extLst>
           </p:cNvPr>
@@ -5794,7 +5794,7 @@
             <p:cNvPr id="181" name="TekstSylinder 9">
               <a:extLst>
                 <a:ext uri="{FF2B5EF4-FFF2-40B4-BE49-F238E27FC236}">
-                  <a16:creationId xmlns:a16="http://schemas.microsoft.com/office/drawing/2014/main" id="{4DA1B6C4-7B6A-44A5-A7D3-D4F9239D4DB4}"/>
+                  <a16:creationId xmlns:a16="http://schemas.microsoft.com/office/drawing/2014/main" xmlns="" id="{4DA1B6C4-7B6A-44A5-A7D3-D4F9239D4DB4}"/>
                 </a:ext>
               </a:extLst>
             </p:cNvPr>
@@ -5835,7 +5835,7 @@
             <p:cNvPr id="182" name="Isosceles Triangle 181">
               <a:extLst>
                 <a:ext uri="{FF2B5EF4-FFF2-40B4-BE49-F238E27FC236}">
-                  <a16:creationId xmlns:a16="http://schemas.microsoft.com/office/drawing/2014/main" id="{AC551E5E-5E96-4058-B869-3830C0823B3B}"/>
+                  <a16:creationId xmlns:a16="http://schemas.microsoft.com/office/drawing/2014/main" xmlns="" id="{AC551E5E-5E96-4058-B869-3830C0823B3B}"/>
                 </a:ext>
               </a:extLst>
             </p:cNvPr>
@@ -5892,7 +5892,7 @@
           <p:cNvPr id="183" name="Group 182">
             <a:extLst>
               <a:ext uri="{FF2B5EF4-FFF2-40B4-BE49-F238E27FC236}">
-                <a16:creationId xmlns:a16="http://schemas.microsoft.com/office/drawing/2014/main" id="{4DB9DB94-3900-4777-AAAE-F70BC7EC9F9B}"/>
+                <a16:creationId xmlns:a16="http://schemas.microsoft.com/office/drawing/2014/main" xmlns="" id="{4DB9DB94-3900-4777-AAAE-F70BC7EC9F9B}"/>
               </a:ext>
             </a:extLst>
           </p:cNvPr>
@@ -5912,7 +5912,7 @@
             <p:cNvPr id="184" name="TekstSylinder 9">
               <a:extLst>
                 <a:ext uri="{FF2B5EF4-FFF2-40B4-BE49-F238E27FC236}">
-                  <a16:creationId xmlns:a16="http://schemas.microsoft.com/office/drawing/2014/main" id="{0A242C0F-3B27-4165-BE39-8A4E187AA02B}"/>
+                  <a16:creationId xmlns:a16="http://schemas.microsoft.com/office/drawing/2014/main" xmlns="" id="{0A242C0F-3B27-4165-BE39-8A4E187AA02B}"/>
                 </a:ext>
               </a:extLst>
             </p:cNvPr>
@@ -5953,7 +5953,7 @@
             <p:cNvPr id="185" name="Isosceles Triangle 184">
               <a:extLst>
                 <a:ext uri="{FF2B5EF4-FFF2-40B4-BE49-F238E27FC236}">
-                  <a16:creationId xmlns:a16="http://schemas.microsoft.com/office/drawing/2014/main" id="{02F08A08-5970-4B9E-97FD-F6551233191F}"/>
+                  <a16:creationId xmlns:a16="http://schemas.microsoft.com/office/drawing/2014/main" xmlns="" id="{02F08A08-5970-4B9E-97FD-F6551233191F}"/>
                 </a:ext>
               </a:extLst>
             </p:cNvPr>
@@ -6010,7 +6010,7 @@
           <p:cNvPr id="1037" name="Freeform: Shape 1036">
             <a:extLst>
               <a:ext uri="{FF2B5EF4-FFF2-40B4-BE49-F238E27FC236}">
-                <a16:creationId xmlns:a16="http://schemas.microsoft.com/office/drawing/2014/main" id="{2971981B-2090-46C8-AD2D-424B31645462}"/>
+                <a16:creationId xmlns:a16="http://schemas.microsoft.com/office/drawing/2014/main" xmlns="" id="{2971981B-2090-46C8-AD2D-424B31645462}"/>
               </a:ext>
             </a:extLst>
           </p:cNvPr>
@@ -6181,7 +6181,7 @@
           <p:cNvPr id="1039" name="Freeform: Shape 1038">
             <a:extLst>
               <a:ext uri="{FF2B5EF4-FFF2-40B4-BE49-F238E27FC236}">
-                <a16:creationId xmlns:a16="http://schemas.microsoft.com/office/drawing/2014/main" id="{1FB80CB6-0973-48A3-89E4-8B89F17E29FA}"/>
+                <a16:creationId xmlns:a16="http://schemas.microsoft.com/office/drawing/2014/main" xmlns="" id="{1FB80CB6-0973-48A3-89E4-8B89F17E29FA}"/>
               </a:ext>
             </a:extLst>
           </p:cNvPr>
@@ -6308,7 +6308,7 @@
           <p:cNvPr id="1040" name="Freeform: Shape 1039">
             <a:extLst>
               <a:ext uri="{FF2B5EF4-FFF2-40B4-BE49-F238E27FC236}">
-                <a16:creationId xmlns:a16="http://schemas.microsoft.com/office/drawing/2014/main" id="{F3366ECC-DE30-450C-9E36-7B07C99FFEE1}"/>
+                <a16:creationId xmlns:a16="http://schemas.microsoft.com/office/drawing/2014/main" xmlns="" id="{F3366ECC-DE30-450C-9E36-7B07C99FFEE1}"/>
               </a:ext>
             </a:extLst>
           </p:cNvPr>
@@ -6449,7 +6449,7 @@
           <p:cNvPr id="1041" name="Freeform: Shape 1040">
             <a:extLst>
               <a:ext uri="{FF2B5EF4-FFF2-40B4-BE49-F238E27FC236}">
-                <a16:creationId xmlns:a16="http://schemas.microsoft.com/office/drawing/2014/main" id="{520698F3-3040-4AFE-92C3-FBCF7AC22CBD}"/>
+                <a16:creationId xmlns:a16="http://schemas.microsoft.com/office/drawing/2014/main" xmlns="" id="{520698F3-3040-4AFE-92C3-FBCF7AC22CBD}"/>
               </a:ext>
             </a:extLst>
           </p:cNvPr>
